--- a/B2B POWER BI DASHBOARD CHANEL CUSTOMER AND SEGMENTATION.pptx
+++ b/B2B POWER BI DASHBOARD CHANEL CUSTOMER AND SEGMENTATION.pptx
@@ -6,20 +6,22 @@
   </p:sldMasterIdLst>
   <p:sldIdLst>
     <p:sldId id="256" r:id="rId2"/>
-    <p:sldId id="268" r:id="rId3"/>
-    <p:sldId id="270" r:id="rId4"/>
-    <p:sldId id="257" r:id="rId5"/>
-    <p:sldId id="273" r:id="rId6"/>
-    <p:sldId id="258" r:id="rId7"/>
-    <p:sldId id="271" r:id="rId8"/>
-    <p:sldId id="259" r:id="rId9"/>
-    <p:sldId id="261" r:id="rId10"/>
-    <p:sldId id="260" r:id="rId11"/>
-    <p:sldId id="262" r:id="rId12"/>
-    <p:sldId id="263" r:id="rId13"/>
-    <p:sldId id="272" r:id="rId14"/>
-    <p:sldId id="264" r:id="rId15"/>
-    <p:sldId id="266" r:id="rId16"/>
+    <p:sldId id="286" r:id="rId3"/>
+    <p:sldId id="268" r:id="rId4"/>
+    <p:sldId id="270" r:id="rId5"/>
+    <p:sldId id="257" r:id="rId6"/>
+    <p:sldId id="273" r:id="rId7"/>
+    <p:sldId id="258" r:id="rId8"/>
+    <p:sldId id="271" r:id="rId9"/>
+    <p:sldId id="259" r:id="rId10"/>
+    <p:sldId id="261" r:id="rId11"/>
+    <p:sldId id="260" r:id="rId12"/>
+    <p:sldId id="262" r:id="rId13"/>
+    <p:sldId id="263" r:id="rId14"/>
+    <p:sldId id="272" r:id="rId15"/>
+    <p:sldId id="264" r:id="rId16"/>
+    <p:sldId id="266" r:id="rId17"/>
+    <p:sldId id="274" r:id="rId18"/>
   </p:sldIdLst>
   <p:sldSz cx="12192000" cy="6858000"/>
   <p:notesSz cx="6858000" cy="9144000"/>
@@ -6055,7 +6057,7 @@
           <a:p>
             <a:fld id="{F848F3A9-6808-41E8-9B90-85EA5CE28D81}" type="datetimeFigureOut">
               <a:rPr lang="en-US" smtClean="0"/>
-              <a:t>12/19/2023</a:t>
+              <a:t>12/26/2023</a:t>
             </a:fld>
             <a:endParaRPr lang="en-US"/>
           </a:p>
@@ -6253,7 +6255,7 @@
           <a:p>
             <a:fld id="{F848F3A9-6808-41E8-9B90-85EA5CE28D81}" type="datetimeFigureOut">
               <a:rPr lang="en-US" smtClean="0"/>
-              <a:t>12/19/2023</a:t>
+              <a:t>12/26/2023</a:t>
             </a:fld>
             <a:endParaRPr lang="en-US"/>
           </a:p>
@@ -6461,7 +6463,7 @@
           <a:p>
             <a:fld id="{F848F3A9-6808-41E8-9B90-85EA5CE28D81}" type="datetimeFigureOut">
               <a:rPr lang="en-US" smtClean="0"/>
-              <a:t>12/19/2023</a:t>
+              <a:t>12/26/2023</a:t>
             </a:fld>
             <a:endParaRPr lang="en-US"/>
           </a:p>
@@ -6659,7 +6661,7 @@
           <a:p>
             <a:fld id="{F848F3A9-6808-41E8-9B90-85EA5CE28D81}" type="datetimeFigureOut">
               <a:rPr lang="en-US" smtClean="0"/>
-              <a:t>12/19/2023</a:t>
+              <a:t>12/26/2023</a:t>
             </a:fld>
             <a:endParaRPr lang="en-US"/>
           </a:p>
@@ -6934,7 +6936,7 @@
           <a:p>
             <a:fld id="{F848F3A9-6808-41E8-9B90-85EA5CE28D81}" type="datetimeFigureOut">
               <a:rPr lang="en-US" smtClean="0"/>
-              <a:t>12/19/2023</a:t>
+              <a:t>12/26/2023</a:t>
             </a:fld>
             <a:endParaRPr lang="en-US"/>
           </a:p>
@@ -7199,7 +7201,7 @@
           <a:p>
             <a:fld id="{F848F3A9-6808-41E8-9B90-85EA5CE28D81}" type="datetimeFigureOut">
               <a:rPr lang="en-US" smtClean="0"/>
-              <a:t>12/19/2023</a:t>
+              <a:t>12/26/2023</a:t>
             </a:fld>
             <a:endParaRPr lang="en-US"/>
           </a:p>
@@ -7611,7 +7613,7 @@
           <a:p>
             <a:fld id="{F848F3A9-6808-41E8-9B90-85EA5CE28D81}" type="datetimeFigureOut">
               <a:rPr lang="en-US" smtClean="0"/>
-              <a:t>12/19/2023</a:t>
+              <a:t>12/26/2023</a:t>
             </a:fld>
             <a:endParaRPr lang="en-US"/>
           </a:p>
@@ -7752,7 +7754,7 @@
           <a:p>
             <a:fld id="{F848F3A9-6808-41E8-9B90-85EA5CE28D81}" type="datetimeFigureOut">
               <a:rPr lang="en-US" smtClean="0"/>
-              <a:t>12/19/2023</a:t>
+              <a:t>12/26/2023</a:t>
             </a:fld>
             <a:endParaRPr lang="en-US"/>
           </a:p>
@@ -7865,7 +7867,7 @@
           <a:p>
             <a:fld id="{F848F3A9-6808-41E8-9B90-85EA5CE28D81}" type="datetimeFigureOut">
               <a:rPr lang="en-US" smtClean="0"/>
-              <a:t>12/19/2023</a:t>
+              <a:t>12/26/2023</a:t>
             </a:fld>
             <a:endParaRPr lang="en-US"/>
           </a:p>
@@ -8176,7 +8178,7 @@
           <a:p>
             <a:fld id="{F848F3A9-6808-41E8-9B90-85EA5CE28D81}" type="datetimeFigureOut">
               <a:rPr lang="en-US" smtClean="0"/>
-              <a:t>12/19/2023</a:t>
+              <a:t>12/26/2023</a:t>
             </a:fld>
             <a:endParaRPr lang="en-US"/>
           </a:p>
@@ -8464,7 +8466,7 @@
           <a:p>
             <a:fld id="{F848F3A9-6808-41E8-9B90-85EA5CE28D81}" type="datetimeFigureOut">
               <a:rPr lang="en-US" smtClean="0"/>
-              <a:t>12/19/2023</a:t>
+              <a:t>12/26/2023</a:t>
             </a:fld>
             <a:endParaRPr lang="en-US"/>
           </a:p>
@@ -8705,7 +8707,7 @@
           <a:p>
             <a:fld id="{F848F3A9-6808-41E8-9B90-85EA5CE28D81}" type="datetimeFigureOut">
               <a:rPr lang="en-US" smtClean="0"/>
-              <a:t>12/19/2023</a:t>
+              <a:t>12/26/2023</a:t>
             </a:fld>
             <a:endParaRPr lang="en-US"/>
           </a:p>
@@ -9551,6 +9553,486 @@
       <p:bgPr>
         <a:solidFill>
           <a:schemeClr val="accent4">
+            <a:lumMod val="40000"/>
+            <a:lumOff val="60000"/>
+          </a:schemeClr>
+        </a:solidFill>
+        <a:effectLst/>
+      </p:bgPr>
+    </p:bg>
+    <p:spTree>
+      <p:nvGrpSpPr>
+        <p:cNvPr id="1" name=""/>
+        <p:cNvGrpSpPr/>
+        <p:nvPr/>
+      </p:nvGrpSpPr>
+      <p:grpSpPr>
+        <a:xfrm>
+          <a:off x="0" y="0"/>
+          <a:ext cx="0" cy="0"/>
+          <a:chOff x="0" y="0"/>
+          <a:chExt cx="0" cy="0"/>
+        </a:xfrm>
+      </p:grpSpPr>
+      <p:sp useBgFill="1">
+        <p:nvSpPr>
+          <p:cNvPr id="28" name="Slide Background">
+            <a:extLst>
+              <a:ext uri="{FF2B5EF4-FFF2-40B4-BE49-F238E27FC236}">
+                <a16:creationId xmlns:a16="http://schemas.microsoft.com/office/drawing/2014/main" id="{924D84CD-5280-4B52-B96E-8EDAA2B20C51}"/>
+              </a:ext>
+              <a:ext uri="{C183D7F6-B498-43B3-948B-1728B52AA6E4}">
+                <adec:decorative xmlns:adec="http://schemas.microsoft.com/office/drawing/2017/decorative" val="1"/>
+              </a:ext>
+            </a:extLst>
+          </p:cNvPr>
+          <p:cNvSpPr>
+            <a:spLocks noGrp="1" noRot="1" noChangeAspect="1" noMove="1" noResize="1" noEditPoints="1" noAdjustHandles="1" noChangeArrowheads="1" noChangeShapeType="1" noTextEdit="1"/>
+          </p:cNvSpPr>
+          <p:nvPr>
+            <p:extLst>
+              <p:ext uri="{386F3935-93C4-4BCD-93E2-E3B085C9AB24}">
+                <p16:designElem xmlns:p16="http://schemas.microsoft.com/office/powerpoint/2015/main" val="1"/>
+              </p:ext>
+            </p:extLst>
+          </p:nvPr>
+        </p:nvSpPr>
+        <p:spPr>
+          <a:xfrm>
+            <a:off x="0" y="0"/>
+            <a:ext cx="12192000" cy="6858000"/>
+          </a:xfrm>
+          <a:prstGeom prst="rect">
+            <a:avLst/>
+          </a:prstGeom>
+          <a:ln>
+            <a:noFill/>
+          </a:ln>
+        </p:spPr>
+        <p:style>
+          <a:lnRef idx="2">
+            <a:schemeClr val="accent1">
+              <a:shade val="50000"/>
+            </a:schemeClr>
+          </a:lnRef>
+          <a:fillRef idx="1">
+            <a:schemeClr val="accent1"/>
+          </a:fillRef>
+          <a:effectRef idx="0">
+            <a:schemeClr val="accent1"/>
+          </a:effectRef>
+          <a:fontRef idx="minor">
+            <a:schemeClr val="lt1"/>
+          </a:fontRef>
+        </p:style>
+        <p:txBody>
+          <a:bodyPr rtlCol="0" anchor="ctr"/>
+          <a:lstStyle/>
+          <a:p>
+            <a:pPr algn="ctr"/>
+            <a:endParaRPr lang="en-US"/>
+          </a:p>
+        </p:txBody>
+      </p:sp>
+      <p:sp useBgFill="1">
+        <p:nvSpPr>
+          <p:cNvPr id="29" name="Rectangle 28">
+            <a:extLst>
+              <a:ext uri="{FF2B5EF4-FFF2-40B4-BE49-F238E27FC236}">
+                <a16:creationId xmlns:a16="http://schemas.microsoft.com/office/drawing/2014/main" id="{3E65D517-46E4-8037-A63D-629DE1253A89}"/>
+              </a:ext>
+              <a:ext uri="{C183D7F6-B498-43B3-948B-1728B52AA6E4}">
+                <adec:decorative xmlns:adec="http://schemas.microsoft.com/office/drawing/2017/decorative" val="1"/>
+              </a:ext>
+            </a:extLst>
+          </p:cNvPr>
+          <p:cNvSpPr>
+            <a:spLocks noGrp="1" noRot="1" noChangeAspect="1" noMove="1" noResize="1" noEditPoints="1" noAdjustHandles="1" noChangeArrowheads="1" noChangeShapeType="1" noTextEdit="1"/>
+          </p:cNvSpPr>
+          <p:nvPr>
+            <p:extLst>
+              <p:ext uri="{386F3935-93C4-4BCD-93E2-E3B085C9AB24}">
+                <p16:designElem xmlns:p16="http://schemas.microsoft.com/office/powerpoint/2015/main" val="1"/>
+              </p:ext>
+            </p:extLst>
+          </p:nvPr>
+        </p:nvSpPr>
+        <p:spPr>
+          <a:xfrm>
+            <a:off x="-2" y="0"/>
+            <a:ext cx="12192001" cy="1696413"/>
+          </a:xfrm>
+          <a:prstGeom prst="rect">
+            <a:avLst/>
+          </a:prstGeom>
+          <a:ln>
+            <a:noFill/>
+          </a:ln>
+          <a:effectLst>
+            <a:outerShdw blurRad="304800" dist="114300" dir="5460000" sx="92000" sy="92000" algn="t" rotWithShape="0">
+              <a:srgbClr val="000000">
+                <a:alpha val="14000"/>
+              </a:srgbClr>
+            </a:outerShdw>
+          </a:effectLst>
+        </p:spPr>
+        <p:style>
+          <a:lnRef idx="2">
+            <a:schemeClr val="accent1">
+              <a:shade val="50000"/>
+            </a:schemeClr>
+          </a:lnRef>
+          <a:fillRef idx="1">
+            <a:schemeClr val="accent1"/>
+          </a:fillRef>
+          <a:effectRef idx="0">
+            <a:schemeClr val="accent1"/>
+          </a:effectRef>
+          <a:fontRef idx="minor">
+            <a:schemeClr val="lt1"/>
+          </a:fontRef>
+        </p:style>
+        <p:txBody>
+          <a:bodyPr rtlCol="0" anchor="ctr"/>
+          <a:lstStyle/>
+          <a:p>
+            <a:pPr algn="ctr"/>
+            <a:endParaRPr lang="en-US"/>
+          </a:p>
+        </p:txBody>
+      </p:sp>
+      <p:sp>
+        <p:nvSpPr>
+          <p:cNvPr id="2" name="Title 1">
+            <a:extLst>
+              <a:ext uri="{FF2B5EF4-FFF2-40B4-BE49-F238E27FC236}">
+                <a16:creationId xmlns:a16="http://schemas.microsoft.com/office/drawing/2014/main" id="{1C6F9385-E2E5-BFAD-2482-A2A1E91D0371}"/>
+              </a:ext>
+            </a:extLst>
+          </p:cNvPr>
+          <p:cNvSpPr>
+            <a:spLocks noGrp="1"/>
+          </p:cNvSpPr>
+          <p:nvPr>
+            <p:ph type="title"/>
+          </p:nvPr>
+        </p:nvSpPr>
+        <p:spPr>
+          <a:xfrm>
+            <a:off x="758952" y="276198"/>
+            <a:ext cx="10477600" cy="1157242"/>
+          </a:xfrm>
+        </p:spPr>
+        <p:txBody>
+          <a:bodyPr>
+            <a:normAutofit/>
+          </a:bodyPr>
+          <a:lstStyle/>
+          <a:p>
+            <a:r>
+              <a:rPr lang="en-US" sz="4000"/>
+              <a:t>Chanel &amp; Customer Page Parts</a:t>
+            </a:r>
+          </a:p>
+        </p:txBody>
+      </p:sp>
+      <p:pic>
+        <p:nvPicPr>
+          <p:cNvPr id="19" name="Picture 18">
+            <a:extLst>
+              <a:ext uri="{FF2B5EF4-FFF2-40B4-BE49-F238E27FC236}">
+                <a16:creationId xmlns:a16="http://schemas.microsoft.com/office/drawing/2014/main" id="{DA4B7165-8913-D026-BDA8-ED949B2D62B4}"/>
+              </a:ext>
+            </a:extLst>
+          </p:cNvPr>
+          <p:cNvPicPr>
+            <a:picLocks noChangeAspect="1"/>
+          </p:cNvPicPr>
+          <p:nvPr/>
+        </p:nvPicPr>
+        <p:blipFill>
+          <a:blip r:embed="rId3"/>
+          <a:stretch>
+            <a:fillRect/>
+          </a:stretch>
+        </p:blipFill>
+        <p:spPr>
+          <a:xfrm>
+            <a:off x="424537" y="1778973"/>
+            <a:ext cx="6374469" cy="4703858"/>
+          </a:xfrm>
+          <a:prstGeom prst="rect">
+            <a:avLst/>
+          </a:prstGeom>
+        </p:spPr>
+      </p:pic>
+      <p:sp>
+        <p:nvSpPr>
+          <p:cNvPr id="5" name="TextBox 4">
+            <a:extLst>
+              <a:ext uri="{FF2B5EF4-FFF2-40B4-BE49-F238E27FC236}">
+                <a16:creationId xmlns:a16="http://schemas.microsoft.com/office/drawing/2014/main" id="{BFBD6289-B584-FD0C-1CD1-AD3FE19BB013}"/>
+              </a:ext>
+            </a:extLst>
+          </p:cNvPr>
+          <p:cNvSpPr txBox="1"/>
+          <p:nvPr/>
+        </p:nvSpPr>
+        <p:spPr>
+          <a:xfrm>
+            <a:off x="7703208" y="2491263"/>
+            <a:ext cx="3442731" cy="3693319"/>
+          </a:xfrm>
+          <a:prstGeom prst="rect">
+            <a:avLst/>
+          </a:prstGeom>
+          <a:noFill/>
+        </p:spPr>
+        <p:txBody>
+          <a:bodyPr wrap="square" rtlCol="0">
+            <a:spAutoFit/>
+          </a:bodyPr>
+          <a:lstStyle/>
+          <a:p>
+            <a:pPr marL="205740" indent="-205740" defTabSz="658368">
+              <a:spcAft>
+                <a:spcPts val="600"/>
+              </a:spcAft>
+              <a:buFont typeface="Arial" panose="020B0604020202020204" pitchFamily="34" charset="0"/>
+              <a:buChar char="•"/>
+            </a:pPr>
+            <a:r>
+              <a:rPr lang="en-US" sz="1600" kern="1200" dirty="0">
+                <a:solidFill>
+                  <a:schemeClr val="tx1"/>
+                </a:solidFill>
+                <a:latin typeface="+mn-lt"/>
+                <a:ea typeface="+mn-ea"/>
+                <a:cs typeface="+mn-cs"/>
+              </a:rPr>
+              <a:t>Rank customer base on total product topic from all unique customer orders, shows in count &amp; percentage.</a:t>
+            </a:r>
+          </a:p>
+          <a:p>
+            <a:pPr marL="205740" indent="-205740" defTabSz="658368">
+              <a:spcAft>
+                <a:spcPts val="600"/>
+              </a:spcAft>
+              <a:buFont typeface="Arial" panose="020B0604020202020204" pitchFamily="34" charset="0"/>
+              <a:buChar char="•"/>
+            </a:pPr>
+            <a:endParaRPr lang="en-US" sz="1600" kern="1200" dirty="0">
+              <a:solidFill>
+                <a:schemeClr val="tx1"/>
+              </a:solidFill>
+              <a:latin typeface="+mn-lt"/>
+              <a:ea typeface="+mn-ea"/>
+              <a:cs typeface="+mn-cs"/>
+            </a:endParaRPr>
+          </a:p>
+          <a:p>
+            <a:pPr marL="205740" indent="-205740" defTabSz="658368">
+              <a:spcAft>
+                <a:spcPts val="600"/>
+              </a:spcAft>
+              <a:buFont typeface="Arial" panose="020B0604020202020204" pitchFamily="34" charset="0"/>
+              <a:buChar char="•"/>
+            </a:pPr>
+            <a:r>
+              <a:rPr lang="en-US" sz="1600" kern="1200" dirty="0">
+                <a:solidFill>
+                  <a:schemeClr val="tx1"/>
+                </a:solidFill>
+                <a:latin typeface="+mn-lt"/>
+                <a:ea typeface="+mn-ea"/>
+                <a:cs typeface="+mn-cs"/>
+              </a:rPr>
+              <a:t>Rank a customer based on how many orders the customer has placed with the company. (How much they had repeat orders)</a:t>
+            </a:r>
+          </a:p>
+          <a:p>
+            <a:pPr marL="205740" indent="-205740" defTabSz="658368">
+              <a:spcAft>
+                <a:spcPts val="600"/>
+              </a:spcAft>
+              <a:buFont typeface="Arial" panose="020B0604020202020204" pitchFamily="34" charset="0"/>
+              <a:buChar char="•"/>
+            </a:pPr>
+            <a:endParaRPr lang="en-US" sz="1600" kern="1200" dirty="0">
+              <a:solidFill>
+                <a:schemeClr val="tx1"/>
+              </a:solidFill>
+              <a:latin typeface="+mn-lt"/>
+              <a:ea typeface="+mn-ea"/>
+              <a:cs typeface="+mn-cs"/>
+            </a:endParaRPr>
+          </a:p>
+          <a:p>
+            <a:pPr marL="205740" indent="-205740" defTabSz="658368">
+              <a:spcAft>
+                <a:spcPts val="600"/>
+              </a:spcAft>
+              <a:buFont typeface="Arial" panose="020B0604020202020204" pitchFamily="34" charset="0"/>
+              <a:buChar char="•"/>
+            </a:pPr>
+            <a:r>
+              <a:rPr lang="en-US" sz="1600" kern="1200" dirty="0">
+                <a:solidFill>
+                  <a:schemeClr val="tx1"/>
+                </a:solidFill>
+                <a:latin typeface="+mn-lt"/>
+                <a:ea typeface="+mn-ea"/>
+                <a:cs typeface="+mn-cs"/>
+              </a:rPr>
+              <a:t>Rank a customer based on the number of sessions performed out of all orders.</a:t>
+            </a:r>
+            <a:endParaRPr lang="en-US" sz="2400" dirty="0"/>
+          </a:p>
+        </p:txBody>
+      </p:sp>
+      <p:cxnSp>
+        <p:nvCxnSpPr>
+          <p:cNvPr id="10" name="Straight Arrow Connector 9">
+            <a:extLst>
+              <a:ext uri="{FF2B5EF4-FFF2-40B4-BE49-F238E27FC236}">
+                <a16:creationId xmlns:a16="http://schemas.microsoft.com/office/drawing/2014/main" id="{D2334163-EB19-C71E-3402-918BA39C2488}"/>
+              </a:ext>
+            </a:extLst>
+          </p:cNvPr>
+          <p:cNvCxnSpPr>
+            <a:cxnSpLocks/>
+          </p:cNvCxnSpPr>
+          <p:nvPr/>
+        </p:nvCxnSpPr>
+        <p:spPr>
+          <a:xfrm flipV="1">
+            <a:off x="6323424" y="2761122"/>
+            <a:ext cx="1379784" cy="296775"/>
+          </a:xfrm>
+          <a:prstGeom prst="straightConnector1">
+            <a:avLst/>
+          </a:prstGeom>
+          <a:ln>
+            <a:tailEnd type="triangle"/>
+          </a:ln>
+        </p:spPr>
+        <p:style>
+          <a:lnRef idx="1">
+            <a:schemeClr val="dk1"/>
+          </a:lnRef>
+          <a:fillRef idx="0">
+            <a:schemeClr val="dk1"/>
+          </a:fillRef>
+          <a:effectRef idx="0">
+            <a:schemeClr val="dk1"/>
+          </a:effectRef>
+          <a:fontRef idx="minor">
+            <a:schemeClr val="tx1"/>
+          </a:fontRef>
+        </p:style>
+      </p:cxnSp>
+      <p:cxnSp>
+        <p:nvCxnSpPr>
+          <p:cNvPr id="14" name="Straight Arrow Connector 13">
+            <a:extLst>
+              <a:ext uri="{FF2B5EF4-FFF2-40B4-BE49-F238E27FC236}">
+                <a16:creationId xmlns:a16="http://schemas.microsoft.com/office/drawing/2014/main" id="{24BA1692-E191-4E95-EE59-098411D71E34}"/>
+              </a:ext>
+            </a:extLst>
+          </p:cNvPr>
+          <p:cNvCxnSpPr>
+            <a:cxnSpLocks/>
+          </p:cNvCxnSpPr>
+          <p:nvPr/>
+        </p:nvCxnSpPr>
+        <p:spPr>
+          <a:xfrm flipV="1">
+            <a:off x="6323424" y="4040046"/>
+            <a:ext cx="1379784" cy="372492"/>
+          </a:xfrm>
+          <a:prstGeom prst="straightConnector1">
+            <a:avLst/>
+          </a:prstGeom>
+          <a:ln>
+            <a:tailEnd type="triangle"/>
+          </a:ln>
+        </p:spPr>
+        <p:style>
+          <a:lnRef idx="1">
+            <a:schemeClr val="dk1"/>
+          </a:lnRef>
+          <a:fillRef idx="0">
+            <a:schemeClr val="dk1"/>
+          </a:fillRef>
+          <a:effectRef idx="0">
+            <a:schemeClr val="dk1"/>
+          </a:effectRef>
+          <a:fontRef idx="minor">
+            <a:schemeClr val="tx1"/>
+          </a:fontRef>
+        </p:style>
+      </p:cxnSp>
+      <p:cxnSp>
+        <p:nvCxnSpPr>
+          <p:cNvPr id="17" name="Straight Arrow Connector 16">
+            <a:extLst>
+              <a:ext uri="{FF2B5EF4-FFF2-40B4-BE49-F238E27FC236}">
+                <a16:creationId xmlns:a16="http://schemas.microsoft.com/office/drawing/2014/main" id="{1C35D392-A225-9D8C-4AFE-924BB33D05FF}"/>
+              </a:ext>
+            </a:extLst>
+          </p:cNvPr>
+          <p:cNvCxnSpPr>
+            <a:cxnSpLocks/>
+          </p:cNvCxnSpPr>
+          <p:nvPr/>
+        </p:nvCxnSpPr>
+        <p:spPr>
+          <a:xfrm flipV="1">
+            <a:off x="6323424" y="5530645"/>
+            <a:ext cx="1379784" cy="368710"/>
+          </a:xfrm>
+          <a:prstGeom prst="straightConnector1">
+            <a:avLst/>
+          </a:prstGeom>
+          <a:ln>
+            <a:tailEnd type="triangle"/>
+          </a:ln>
+        </p:spPr>
+        <p:style>
+          <a:lnRef idx="1">
+            <a:schemeClr val="dk1"/>
+          </a:lnRef>
+          <a:fillRef idx="0">
+            <a:schemeClr val="dk1"/>
+          </a:fillRef>
+          <a:effectRef idx="0">
+            <a:schemeClr val="dk1"/>
+          </a:effectRef>
+          <a:fontRef idx="minor">
+            <a:schemeClr val="tx1"/>
+          </a:fontRef>
+        </p:style>
+      </p:cxnSp>
+    </p:spTree>
+    <p:extLst>
+      <p:ext uri="{BB962C8B-B14F-4D97-AF65-F5344CB8AC3E}">
+        <p14:creationId xmlns:p14="http://schemas.microsoft.com/office/powerpoint/2010/main" val="286555318"/>
+      </p:ext>
+    </p:extLst>
+  </p:cSld>
+  <p:clrMapOvr>
+    <a:masterClrMapping/>
+  </p:clrMapOvr>
+</p:sld>
+</file>
+
+<file path=ppt/slides/slide11.xml><?xml version="1.0" encoding="utf-8"?>
+<p:sld xmlns:a="http://schemas.openxmlformats.org/drawingml/2006/main" xmlns:r="http://schemas.openxmlformats.org/officeDocument/2006/relationships" xmlns:p="http://schemas.openxmlformats.org/presentationml/2006/main">
+  <p:cSld>
+    <p:bg>
+      <p:bgPr>
+        <a:solidFill>
+          <a:schemeClr val="accent4">
             <a:lumMod val="20000"/>
             <a:lumOff val="80000"/>
           </a:schemeClr>
@@ -10291,7 +10773,7 @@
 </p:sld>
 </file>
 
-<file path=ppt/slides/slide11.xml><?xml version="1.0" encoding="utf-8"?>
+<file path=ppt/slides/slide12.xml><?xml version="1.0" encoding="utf-8"?>
 <p:sld xmlns:a="http://schemas.openxmlformats.org/drawingml/2006/main" xmlns:r="http://schemas.openxmlformats.org/officeDocument/2006/relationships" xmlns:p="http://schemas.openxmlformats.org/presentationml/2006/main">
   <p:cSld>
     <p:bg>
@@ -11214,7 +11696,7 @@
 </p:sld>
 </file>
 
-<file path=ppt/slides/slide12.xml><?xml version="1.0" encoding="utf-8"?>
+<file path=ppt/slides/slide13.xml><?xml version="1.0" encoding="utf-8"?>
 <p:sld xmlns:a="http://schemas.openxmlformats.org/drawingml/2006/main" xmlns:r="http://schemas.openxmlformats.org/officeDocument/2006/relationships" xmlns:p="http://schemas.openxmlformats.org/presentationml/2006/main">
   <p:cSld>
     <p:bg>
@@ -11444,7 +11926,7 @@
 </p:sld>
 </file>
 
-<file path=ppt/slides/slide13.xml><?xml version="1.0" encoding="utf-8"?>
+<file path=ppt/slides/slide14.xml><?xml version="1.0" encoding="utf-8"?>
 <p:sld xmlns:a="http://schemas.openxmlformats.org/drawingml/2006/main" xmlns:r="http://schemas.openxmlformats.org/officeDocument/2006/relationships" xmlns:p="http://schemas.openxmlformats.org/presentationml/2006/main">
   <p:cSld>
     <p:bg>
@@ -12055,7 +12537,7 @@
 </p:sld>
 </file>
 
-<file path=ppt/slides/slide14.xml><?xml version="1.0" encoding="utf-8"?>
+<file path=ppt/slides/slide15.xml><?xml version="1.0" encoding="utf-8"?>
 <p:sld xmlns:a="http://schemas.openxmlformats.org/drawingml/2006/main" xmlns:r="http://schemas.openxmlformats.org/officeDocument/2006/relationships" xmlns:p="http://schemas.openxmlformats.org/presentationml/2006/main">
   <p:cSld>
     <p:bg>
@@ -12412,7 +12894,7 @@
 </p:sld>
 </file>
 
-<file path=ppt/slides/slide15.xml><?xml version="1.0" encoding="utf-8"?>
+<file path=ppt/slides/slide16.xml><?xml version="1.0" encoding="utf-8"?>
 <p:sld xmlns:a="http://schemas.openxmlformats.org/drawingml/2006/main" xmlns:r="http://schemas.openxmlformats.org/officeDocument/2006/relationships" xmlns:p="http://schemas.openxmlformats.org/presentationml/2006/main">
   <p:cSld>
     <p:bg>
@@ -12752,7 +13234,860 @@
 </p:sld>
 </file>
 
+<file path=ppt/slides/slide17.xml><?xml version="1.0" encoding="utf-8"?>
+<p:sld xmlns:a="http://schemas.openxmlformats.org/drawingml/2006/main" xmlns:r="http://schemas.openxmlformats.org/officeDocument/2006/relationships" xmlns:p="http://schemas.openxmlformats.org/presentationml/2006/main">
+  <p:cSld>
+    <p:bg>
+      <p:bgPr>
+        <a:solidFill>
+          <a:schemeClr val="accent4">
+            <a:lumMod val="20000"/>
+            <a:lumOff val="80000"/>
+          </a:schemeClr>
+        </a:solidFill>
+        <a:effectLst/>
+      </p:bgPr>
+    </p:bg>
+    <p:spTree>
+      <p:nvGrpSpPr>
+        <p:cNvPr id="1" name=""/>
+        <p:cNvGrpSpPr/>
+        <p:nvPr/>
+      </p:nvGrpSpPr>
+      <p:grpSpPr>
+        <a:xfrm>
+          <a:off x="0" y="0"/>
+          <a:ext cx="0" cy="0"/>
+          <a:chOff x="0" y="0"/>
+          <a:chExt cx="0" cy="0"/>
+        </a:xfrm>
+      </p:grpSpPr>
+      <p:sp>
+        <p:nvSpPr>
+          <p:cNvPr id="2" name="Title 1">
+            <a:extLst>
+              <a:ext uri="{FF2B5EF4-FFF2-40B4-BE49-F238E27FC236}">
+                <a16:creationId xmlns:a16="http://schemas.microsoft.com/office/drawing/2014/main" id="{5E5634A1-31C0-3CC6-FED6-20F44E092E9A}"/>
+              </a:ext>
+            </a:extLst>
+          </p:cNvPr>
+          <p:cNvSpPr>
+            <a:spLocks noGrp="1"/>
+          </p:cNvSpPr>
+          <p:nvPr>
+            <p:ph type="title"/>
+          </p:nvPr>
+        </p:nvSpPr>
+        <p:spPr>
+          <a:xfrm>
+            <a:off x="4363278" y="312116"/>
+            <a:ext cx="3018183" cy="1325563"/>
+          </a:xfrm>
+        </p:spPr>
+        <p:txBody>
+          <a:bodyPr/>
+          <a:lstStyle/>
+          <a:p>
+            <a:r>
+              <a:rPr lang="en-US" dirty="0"/>
+              <a:t>Thank You</a:t>
+            </a:r>
+          </a:p>
+        </p:txBody>
+      </p:sp>
+      <p:sp>
+        <p:nvSpPr>
+          <p:cNvPr id="3" name="Content Placeholder 2">
+            <a:extLst>
+              <a:ext uri="{FF2B5EF4-FFF2-40B4-BE49-F238E27FC236}">
+                <a16:creationId xmlns:a16="http://schemas.microsoft.com/office/drawing/2014/main" id="{9ABC1E53-36BE-F4FE-FBDC-9F0A15528F5E}"/>
+              </a:ext>
+            </a:extLst>
+          </p:cNvPr>
+          <p:cNvSpPr>
+            <a:spLocks noGrp="1"/>
+          </p:cNvSpPr>
+          <p:nvPr>
+            <p:ph idx="1"/>
+          </p:nvPr>
+        </p:nvSpPr>
+        <p:spPr/>
+        <p:txBody>
+          <a:bodyPr/>
+          <a:lstStyle/>
+          <a:p>
+            <a:r>
+              <a:rPr lang="en-US" sz="2000" b="1" dirty="0"/>
+              <a:t>File Download : </a:t>
+            </a:r>
+          </a:p>
+          <a:p>
+            <a:r>
+              <a:rPr lang="en-US" sz="2000" dirty="0">
+                <a:hlinkClick r:id="rId3"/>
+              </a:rPr>
+              <a:t>https://github.com/MBAHTAWOONS/POWERBI_DASHBOARD_B2B_COMPANIES</a:t>
+            </a:r>
+            <a:endParaRPr lang="en-US" sz="2000" dirty="0"/>
+          </a:p>
+        </p:txBody>
+      </p:sp>
+    </p:spTree>
+    <p:extLst>
+      <p:ext uri="{BB962C8B-B14F-4D97-AF65-F5344CB8AC3E}">
+        <p14:creationId xmlns:p14="http://schemas.microsoft.com/office/powerpoint/2010/main" val="3980718707"/>
+      </p:ext>
+    </p:extLst>
+  </p:cSld>
+  <p:clrMapOvr>
+    <a:overrideClrMapping bg1="lt1" tx1="dk1" bg2="lt2" tx2="dk2" accent1="accent1" accent2="accent2" accent3="accent3" accent4="accent4" accent5="accent5" accent6="accent6" hlink="hlink" folHlink="folHlink"/>
+  </p:clrMapOvr>
+</p:sld>
+</file>
+
 <file path=ppt/slides/slide2.xml><?xml version="1.0" encoding="utf-8"?>
+<p:sld xmlns:a="http://schemas.openxmlformats.org/drawingml/2006/main" xmlns:r="http://schemas.openxmlformats.org/officeDocument/2006/relationships" xmlns:p="http://schemas.openxmlformats.org/presentationml/2006/main">
+  <p:cSld>
+    <p:spTree>
+      <p:nvGrpSpPr>
+        <p:cNvPr id="1" name=""/>
+        <p:cNvGrpSpPr/>
+        <p:nvPr/>
+      </p:nvGrpSpPr>
+      <p:grpSpPr>
+        <a:xfrm>
+          <a:off x="0" y="0"/>
+          <a:ext cx="0" cy="0"/>
+          <a:chOff x="0" y="0"/>
+          <a:chExt cx="0" cy="0"/>
+        </a:xfrm>
+      </p:grpSpPr>
+      <p:pic>
+        <p:nvPicPr>
+          <p:cNvPr id="5" name="Picture 4" descr="A person in a suit and tie&#10;&#10;Description automatically generated">
+            <a:extLst>
+              <a:ext uri="{FF2B5EF4-FFF2-40B4-BE49-F238E27FC236}">
+                <a16:creationId xmlns:a16="http://schemas.microsoft.com/office/drawing/2014/main" id="{E51B363F-6D27-2AE8-40FC-AEDDF147156C}"/>
+              </a:ext>
+            </a:extLst>
+          </p:cNvPr>
+          <p:cNvPicPr>
+            <a:picLocks noChangeAspect="1"/>
+          </p:cNvPicPr>
+          <p:nvPr/>
+        </p:nvPicPr>
+        <p:blipFill>
+          <a:blip r:embed="rId2">
+            <a:extLst>
+              <a:ext uri="{28A0092B-C50C-407E-A947-70E740481C1C}">
+                <a14:useLocalDpi xmlns:a14="http://schemas.microsoft.com/office/drawing/2010/main" val="0"/>
+              </a:ext>
+            </a:extLst>
+          </a:blip>
+          <a:stretch>
+            <a:fillRect/>
+          </a:stretch>
+        </p:blipFill>
+        <p:spPr>
+          <a:xfrm>
+            <a:off x="6913258" y="2370289"/>
+            <a:ext cx="3398360" cy="4487711"/>
+          </a:xfrm>
+          <a:prstGeom prst="rect">
+            <a:avLst/>
+          </a:prstGeom>
+        </p:spPr>
+      </p:pic>
+      <p:graphicFrame>
+        <p:nvGraphicFramePr>
+          <p:cNvPr id="6" name="Table 5">
+            <a:extLst>
+              <a:ext uri="{FF2B5EF4-FFF2-40B4-BE49-F238E27FC236}">
+                <a16:creationId xmlns:a16="http://schemas.microsoft.com/office/drawing/2014/main" id="{3BC9F7C3-E775-576B-937F-A84B525DC9C2}"/>
+              </a:ext>
+            </a:extLst>
+          </p:cNvPr>
+          <p:cNvGraphicFramePr>
+            <a:graphicFrameLocks noGrp="1"/>
+          </p:cNvGraphicFramePr>
+          <p:nvPr/>
+        </p:nvGraphicFramePr>
+        <p:xfrm>
+          <a:off x="315740" y="1003232"/>
+          <a:ext cx="4003042" cy="1725897"/>
+        </p:xfrm>
+        <a:graphic>
+          <a:graphicData uri="http://schemas.openxmlformats.org/drawingml/2006/table">
+            <a:tbl>
+              <a:tblPr firstRow="1" bandRow="1">
+                <a:tableStyleId>{D7AC3CCA-C797-4891-BE02-D94E43425B78}</a:tableStyleId>
+              </a:tblPr>
+              <a:tblGrid>
+                <a:gridCol w="2001521">
+                  <a:extLst>
+                    <a:ext uri="{9D8B030D-6E8A-4147-A177-3AD203B41FA5}">
+                      <a16:colId xmlns:a16="http://schemas.microsoft.com/office/drawing/2014/main" val="2875495723"/>
+                    </a:ext>
+                  </a:extLst>
+                </a:gridCol>
+                <a:gridCol w="2001521">
+                  <a:extLst>
+                    <a:ext uri="{9D8B030D-6E8A-4147-A177-3AD203B41FA5}">
+                      <a16:colId xmlns:a16="http://schemas.microsoft.com/office/drawing/2014/main" val="3013817006"/>
+                    </a:ext>
+                  </a:extLst>
+                </a:gridCol>
+              </a:tblGrid>
+              <a:tr h="709845">
+                <a:tc>
+                  <a:txBody>
+                    <a:bodyPr/>
+                    <a:lstStyle/>
+                    <a:p>
+                      <a:r>
+                        <a:rPr lang="en-US" sz="1600" dirty="0"/>
+                        <a:t>Nama</a:t>
+                      </a:r>
+                    </a:p>
+                  </a:txBody>
+                  <a:tcPr/>
+                </a:tc>
+                <a:tc>
+                  <a:txBody>
+                    <a:bodyPr/>
+                    <a:lstStyle/>
+                    <a:p>
+                      <a:r>
+                        <a:rPr lang="en-US" sz="1600" b="0" dirty="0"/>
+                        <a:t>Arengga Dean </a:t>
+                      </a:r>
+                      <a:r>
+                        <a:rPr lang="en-US" sz="1600" b="0" dirty="0" err="1"/>
+                        <a:t>Prayoga</a:t>
+                      </a:r>
+                      <a:r>
+                        <a:rPr lang="en-US" sz="1600" b="0" dirty="0"/>
+                        <a:t>, S.pt</a:t>
+                      </a:r>
+                    </a:p>
+                  </a:txBody>
+                  <a:tcPr/>
+                </a:tc>
+                <a:extLst>
+                  <a:ext uri="{0D108BD9-81ED-4DB2-BD59-A6C34878D82A}">
+                    <a16:rowId xmlns:a16="http://schemas.microsoft.com/office/drawing/2014/main" val="209167663"/>
+                  </a:ext>
+                </a:extLst>
+              </a:tr>
+              <a:tr h="508026">
+                <a:tc>
+                  <a:txBody>
+                    <a:bodyPr/>
+                    <a:lstStyle/>
+                    <a:p>
+                      <a:r>
+                        <a:rPr lang="en-US" b="1" dirty="0"/>
+                        <a:t>Age</a:t>
+                      </a:r>
+                    </a:p>
+                  </a:txBody>
+                  <a:tcPr/>
+                </a:tc>
+                <a:tc>
+                  <a:txBody>
+                    <a:bodyPr/>
+                    <a:lstStyle/>
+                    <a:p>
+                      <a:r>
+                        <a:rPr lang="en-US" dirty="0"/>
+                        <a:t>25 Years (1998)</a:t>
+                      </a:r>
+                    </a:p>
+                  </a:txBody>
+                  <a:tcPr/>
+                </a:tc>
+                <a:extLst>
+                  <a:ext uri="{0D108BD9-81ED-4DB2-BD59-A6C34878D82A}">
+                    <a16:rowId xmlns:a16="http://schemas.microsoft.com/office/drawing/2014/main" val="4144361725"/>
+                  </a:ext>
+                </a:extLst>
+              </a:tr>
+              <a:tr h="508026">
+                <a:tc>
+                  <a:txBody>
+                    <a:bodyPr/>
+                    <a:lstStyle/>
+                    <a:p>
+                      <a:r>
+                        <a:rPr lang="en-US" b="1" dirty="0"/>
+                        <a:t>Occupation</a:t>
+                      </a:r>
+                    </a:p>
+                  </a:txBody>
+                  <a:tcPr/>
+                </a:tc>
+                <a:tc>
+                  <a:txBody>
+                    <a:bodyPr/>
+                    <a:lstStyle/>
+                    <a:p>
+                      <a:r>
+                        <a:rPr lang="en-US" dirty="0"/>
+                        <a:t>Python User</a:t>
+                      </a:r>
+                    </a:p>
+                  </a:txBody>
+                  <a:tcPr/>
+                </a:tc>
+                <a:extLst>
+                  <a:ext uri="{0D108BD9-81ED-4DB2-BD59-A6C34878D82A}">
+                    <a16:rowId xmlns:a16="http://schemas.microsoft.com/office/drawing/2014/main" val="1286796915"/>
+                  </a:ext>
+                </a:extLst>
+              </a:tr>
+            </a:tbl>
+          </a:graphicData>
+        </a:graphic>
+      </p:graphicFrame>
+      <p:cxnSp>
+        <p:nvCxnSpPr>
+          <p:cNvPr id="8" name="Straight Connector 7">
+            <a:extLst>
+              <a:ext uri="{FF2B5EF4-FFF2-40B4-BE49-F238E27FC236}">
+                <a16:creationId xmlns:a16="http://schemas.microsoft.com/office/drawing/2014/main" id="{1E912CC3-8AF4-CFCA-7806-FD31215A6A30}"/>
+              </a:ext>
+            </a:extLst>
+          </p:cNvPr>
+          <p:cNvCxnSpPr>
+            <a:cxnSpLocks/>
+          </p:cNvCxnSpPr>
+          <p:nvPr/>
+        </p:nvCxnSpPr>
+        <p:spPr>
+          <a:xfrm flipH="1">
+            <a:off x="2317261" y="3429000"/>
+            <a:ext cx="4595996" cy="0"/>
+          </a:xfrm>
+          <a:prstGeom prst="line">
+            <a:avLst/>
+          </a:prstGeom>
+        </p:spPr>
+        <p:style>
+          <a:lnRef idx="1">
+            <a:schemeClr val="accent1"/>
+          </a:lnRef>
+          <a:fillRef idx="0">
+            <a:schemeClr val="accent1"/>
+          </a:fillRef>
+          <a:effectRef idx="0">
+            <a:schemeClr val="accent1"/>
+          </a:effectRef>
+          <a:fontRef idx="minor">
+            <a:schemeClr val="tx1"/>
+          </a:fontRef>
+        </p:style>
+      </p:cxnSp>
+      <p:cxnSp>
+        <p:nvCxnSpPr>
+          <p:cNvPr id="10" name="Straight Arrow Connector 9">
+            <a:extLst>
+              <a:ext uri="{FF2B5EF4-FFF2-40B4-BE49-F238E27FC236}">
+                <a16:creationId xmlns:a16="http://schemas.microsoft.com/office/drawing/2014/main" id="{4E0C0E96-734B-47EC-0144-4DC57F8F5735}"/>
+              </a:ext>
+            </a:extLst>
+          </p:cNvPr>
+          <p:cNvCxnSpPr>
+            <a:cxnSpLocks/>
+            <a:endCxn id="6" idx="2"/>
+          </p:cNvCxnSpPr>
+          <p:nvPr/>
+        </p:nvCxnSpPr>
+        <p:spPr>
+          <a:xfrm flipV="1">
+            <a:off x="2317261" y="2729129"/>
+            <a:ext cx="0" cy="699871"/>
+          </a:xfrm>
+          <a:prstGeom prst="straightConnector1">
+            <a:avLst/>
+          </a:prstGeom>
+          <a:ln>
+            <a:tailEnd type="triangle"/>
+          </a:ln>
+        </p:spPr>
+        <p:style>
+          <a:lnRef idx="1">
+            <a:schemeClr val="accent1"/>
+          </a:lnRef>
+          <a:fillRef idx="0">
+            <a:schemeClr val="accent1"/>
+          </a:fillRef>
+          <a:effectRef idx="0">
+            <a:schemeClr val="accent1"/>
+          </a:effectRef>
+          <a:fontRef idx="minor">
+            <a:schemeClr val="tx1"/>
+          </a:fontRef>
+        </p:style>
+      </p:cxnSp>
+      <p:cxnSp>
+        <p:nvCxnSpPr>
+          <p:cNvPr id="18" name="Straight Connector 17">
+            <a:extLst>
+              <a:ext uri="{FF2B5EF4-FFF2-40B4-BE49-F238E27FC236}">
+                <a16:creationId xmlns:a16="http://schemas.microsoft.com/office/drawing/2014/main" id="{5FFCB2C5-BF96-33CA-D881-490BA8C8D70B}"/>
+              </a:ext>
+            </a:extLst>
+          </p:cNvPr>
+          <p:cNvCxnSpPr>
+            <a:cxnSpLocks/>
+            <a:stCxn id="5" idx="2"/>
+          </p:cNvCxnSpPr>
+          <p:nvPr/>
+        </p:nvCxnSpPr>
+        <p:spPr>
+          <a:xfrm flipH="1" flipV="1">
+            <a:off x="7971925" y="5543824"/>
+            <a:ext cx="640513" cy="1314176"/>
+          </a:xfrm>
+          <a:prstGeom prst="line">
+            <a:avLst/>
+          </a:prstGeom>
+        </p:spPr>
+        <p:style>
+          <a:lnRef idx="1">
+            <a:schemeClr val="accent1"/>
+          </a:lnRef>
+          <a:fillRef idx="0">
+            <a:schemeClr val="accent1"/>
+          </a:fillRef>
+          <a:effectRef idx="0">
+            <a:schemeClr val="accent1"/>
+          </a:effectRef>
+          <a:fontRef idx="minor">
+            <a:schemeClr val="tx1"/>
+          </a:fontRef>
+        </p:style>
+      </p:cxnSp>
+      <p:cxnSp>
+        <p:nvCxnSpPr>
+          <p:cNvPr id="20" name="Straight Arrow Connector 19">
+            <a:extLst>
+              <a:ext uri="{FF2B5EF4-FFF2-40B4-BE49-F238E27FC236}">
+                <a16:creationId xmlns:a16="http://schemas.microsoft.com/office/drawing/2014/main" id="{8C162666-5E81-E1E8-CCCA-FDBE4BDECDAE}"/>
+              </a:ext>
+            </a:extLst>
+          </p:cNvPr>
+          <p:cNvCxnSpPr>
+            <a:cxnSpLocks/>
+          </p:cNvCxnSpPr>
+          <p:nvPr/>
+        </p:nvCxnSpPr>
+        <p:spPr>
+          <a:xfrm flipH="1">
+            <a:off x="4318773" y="5190978"/>
+            <a:ext cx="2594484" cy="0"/>
+          </a:xfrm>
+          <a:prstGeom prst="straightConnector1">
+            <a:avLst/>
+          </a:prstGeom>
+          <a:ln>
+            <a:tailEnd type="triangle"/>
+          </a:ln>
+        </p:spPr>
+        <p:style>
+          <a:lnRef idx="1">
+            <a:schemeClr val="accent1"/>
+          </a:lnRef>
+          <a:fillRef idx="0">
+            <a:schemeClr val="accent1"/>
+          </a:fillRef>
+          <a:effectRef idx="0">
+            <a:schemeClr val="accent1"/>
+          </a:effectRef>
+          <a:fontRef idx="minor">
+            <a:schemeClr val="tx1"/>
+          </a:fontRef>
+        </p:style>
+      </p:cxnSp>
+      <p:sp>
+        <p:nvSpPr>
+          <p:cNvPr id="21" name="TextBox 20">
+            <a:extLst>
+              <a:ext uri="{FF2B5EF4-FFF2-40B4-BE49-F238E27FC236}">
+                <a16:creationId xmlns:a16="http://schemas.microsoft.com/office/drawing/2014/main" id="{4FB4349D-8F4D-D686-BA0D-C2E41F47D152}"/>
+              </a:ext>
+            </a:extLst>
+          </p:cNvPr>
+          <p:cNvSpPr txBox="1"/>
+          <p:nvPr/>
+        </p:nvSpPr>
+        <p:spPr>
+          <a:xfrm>
+            <a:off x="506436" y="3869609"/>
+            <a:ext cx="3812337" cy="2585323"/>
+          </a:xfrm>
+          <a:prstGeom prst="rect">
+            <a:avLst/>
+          </a:prstGeom>
+          <a:solidFill>
+            <a:srgbClr val="33CCCC"/>
+          </a:solidFill>
+          <a:ln>
+            <a:noFill/>
+          </a:ln>
+        </p:spPr>
+        <p:txBody>
+          <a:bodyPr wrap="square" rtlCol="0">
+            <a:spAutoFit/>
+          </a:bodyPr>
+          <a:lstStyle/>
+          <a:p>
+            <a:r>
+              <a:rPr lang="en-US" dirty="0"/>
+              <a:t>Education Background</a:t>
+            </a:r>
+          </a:p>
+          <a:p>
+            <a:endParaRPr lang="en-US" dirty="0"/>
+          </a:p>
+          <a:p>
+            <a:pPr marL="285750" indent="-285750">
+              <a:buFont typeface="Arial" panose="020B0604020202020204" pitchFamily="34" charset="0"/>
+              <a:buChar char="•"/>
+            </a:pPr>
+            <a:r>
+              <a:rPr lang="en-US" dirty="0"/>
+              <a:t>Bachelor degrees of Animal Husbandry (</a:t>
+            </a:r>
+            <a:r>
+              <a:rPr lang="en-US" dirty="0" err="1"/>
+              <a:t>Brawijaya</a:t>
+            </a:r>
+            <a:r>
+              <a:rPr lang="en-US" dirty="0"/>
+              <a:t> University, 2021)</a:t>
+            </a:r>
+          </a:p>
+          <a:p>
+            <a:pPr marL="285750" indent="-285750">
+              <a:buFont typeface="Arial" panose="020B0604020202020204" pitchFamily="34" charset="0"/>
+              <a:buChar char="•"/>
+            </a:pPr>
+            <a:endParaRPr lang="en-US" dirty="0"/>
+          </a:p>
+          <a:p>
+            <a:pPr marL="285750" indent="-285750">
+              <a:buFont typeface="Arial" panose="020B0604020202020204" pitchFamily="34" charset="0"/>
+              <a:buChar char="•"/>
+            </a:pPr>
+            <a:r>
+              <a:rPr lang="en-US" dirty="0"/>
+              <a:t>Data Science Bootcamp </a:t>
+            </a:r>
+            <a:br>
+              <a:rPr lang="en-US" dirty="0"/>
+            </a:br>
+            <a:r>
+              <a:rPr lang="en-US" dirty="0"/>
+              <a:t>(Dibimbing.ID, September 2023)</a:t>
+            </a:r>
+          </a:p>
+        </p:txBody>
+      </p:sp>
+      <p:cxnSp>
+        <p:nvCxnSpPr>
+          <p:cNvPr id="25" name="Straight Connector 24">
+            <a:extLst>
+              <a:ext uri="{FF2B5EF4-FFF2-40B4-BE49-F238E27FC236}">
+                <a16:creationId xmlns:a16="http://schemas.microsoft.com/office/drawing/2014/main" id="{0061A414-C150-59B7-5CA3-475A7C4B4C33}"/>
+              </a:ext>
+            </a:extLst>
+          </p:cNvPr>
+          <p:cNvCxnSpPr>
+            <a:cxnSpLocks/>
+            <a:stCxn id="5" idx="0"/>
+            <a:endCxn id="29" idx="2"/>
+          </p:cNvCxnSpPr>
+          <p:nvPr/>
+        </p:nvCxnSpPr>
+        <p:spPr>
+          <a:xfrm flipV="1">
+            <a:off x="8612438" y="1924970"/>
+            <a:ext cx="652329" cy="445319"/>
+          </a:xfrm>
+          <a:prstGeom prst="line">
+            <a:avLst/>
+          </a:prstGeom>
+        </p:spPr>
+        <p:style>
+          <a:lnRef idx="1">
+            <a:schemeClr val="accent1"/>
+          </a:lnRef>
+          <a:fillRef idx="0">
+            <a:schemeClr val="accent1"/>
+          </a:fillRef>
+          <a:effectRef idx="0">
+            <a:schemeClr val="accent1"/>
+          </a:effectRef>
+          <a:fontRef idx="minor">
+            <a:schemeClr val="tx1"/>
+          </a:fontRef>
+        </p:style>
+      </p:cxnSp>
+      <p:sp>
+        <p:nvSpPr>
+          <p:cNvPr id="29" name="TextBox 28">
+            <a:extLst>
+              <a:ext uri="{FF2B5EF4-FFF2-40B4-BE49-F238E27FC236}">
+                <a16:creationId xmlns:a16="http://schemas.microsoft.com/office/drawing/2014/main" id="{4FBDC7A7-3AB8-4B26-C822-204FA7A9E308}"/>
+              </a:ext>
+            </a:extLst>
+          </p:cNvPr>
+          <p:cNvSpPr txBox="1"/>
+          <p:nvPr/>
+        </p:nvSpPr>
+        <p:spPr>
+          <a:xfrm>
+            <a:off x="6913257" y="693864"/>
+            <a:ext cx="4703019" cy="1231106"/>
+          </a:xfrm>
+          <a:prstGeom prst="rect">
+            <a:avLst/>
+          </a:prstGeom>
+          <a:solidFill>
+            <a:srgbClr val="33CCCC"/>
+          </a:solidFill>
+        </p:spPr>
+        <p:txBody>
+          <a:bodyPr wrap="square" rtlCol="0">
+            <a:spAutoFit/>
+          </a:bodyPr>
+          <a:lstStyle/>
+          <a:p>
+            <a:r>
+              <a:rPr lang="en-US" dirty="0"/>
+              <a:t>	</a:t>
+            </a:r>
+            <a:r>
+              <a:rPr lang="en-US" sz="1400" dirty="0"/>
+              <a:t>085704928504	</a:t>
+            </a:r>
+          </a:p>
+          <a:p>
+            <a:r>
+              <a:rPr lang="en-US" sz="1400" dirty="0"/>
+              <a:t>					linkedin.com/in/arenggadean</a:t>
+            </a:r>
+          </a:p>
+          <a:p>
+            <a:r>
+              <a:rPr lang="en-US" sz="1400" dirty="0"/>
+              <a:t>		</a:t>
+            </a:r>
+          </a:p>
+          <a:p>
+            <a:r>
+              <a:rPr lang="en-US" sz="1400" dirty="0"/>
+              <a:t>	https://github.com/MBAHTAWOONS</a:t>
+            </a:r>
+            <a:endParaRPr lang="en-US" dirty="0"/>
+          </a:p>
+        </p:txBody>
+      </p:sp>
+      <p:pic>
+        <p:nvPicPr>
+          <p:cNvPr id="30" name="Picture 2" descr="Ada Apa Whatsapp Logo Ikon - Gambar vektor gratis di Pixabay - Pixabay">
+            <a:extLst>
+              <a:ext uri="{FF2B5EF4-FFF2-40B4-BE49-F238E27FC236}">
+                <a16:creationId xmlns:a16="http://schemas.microsoft.com/office/drawing/2014/main" id="{4C24D0CD-1562-167F-AEC1-1D49A6CA92FF}"/>
+              </a:ext>
+            </a:extLst>
+          </p:cNvPr>
+          <p:cNvPicPr>
+            <a:picLocks noChangeAspect="1" noChangeArrowheads="1"/>
+          </p:cNvPicPr>
+          <p:nvPr/>
+        </p:nvPicPr>
+        <p:blipFill>
+          <a:blip r:embed="rId3">
+            <a:extLst>
+              <a:ext uri="{28A0092B-C50C-407E-A947-70E740481C1C}">
+                <a14:useLocalDpi xmlns:a14="http://schemas.microsoft.com/office/drawing/2010/main" val="0"/>
+              </a:ext>
+            </a:extLst>
+          </a:blip>
+          <a:srcRect/>
+          <a:stretch>
+            <a:fillRect/>
+          </a:stretch>
+        </p:blipFill>
+        <p:spPr bwMode="auto">
+          <a:xfrm>
+            <a:off x="7287922" y="728951"/>
+            <a:ext cx="305790" cy="307928"/>
+          </a:xfrm>
+          <a:prstGeom prst="rect">
+            <a:avLst/>
+          </a:prstGeom>
+          <a:noFill/>
+          <a:extLst>
+            <a:ext uri="{909E8E84-426E-40DD-AFC4-6F175D3DCCD1}">
+              <a14:hiddenFill xmlns:a14="http://schemas.microsoft.com/office/drawing/2010/main">
+                <a:solidFill>
+                  <a:srgbClr val="FFFFFF"/>
+                </a:solidFill>
+              </a14:hiddenFill>
+            </a:ext>
+          </a:extLst>
+        </p:spPr>
+      </p:pic>
+      <p:sp>
+        <p:nvSpPr>
+          <p:cNvPr id="44" name="TextBox 43">
+            <a:extLst>
+              <a:ext uri="{FF2B5EF4-FFF2-40B4-BE49-F238E27FC236}">
+                <a16:creationId xmlns:a16="http://schemas.microsoft.com/office/drawing/2014/main" id="{E7D9EF56-D6DF-3B20-BD98-D6C88B99C950}"/>
+              </a:ext>
+            </a:extLst>
+          </p:cNvPr>
+          <p:cNvSpPr txBox="1"/>
+          <p:nvPr/>
+        </p:nvSpPr>
+        <p:spPr>
+          <a:xfrm>
+            <a:off x="618978" y="267286"/>
+            <a:ext cx="5317588" cy="461665"/>
+          </a:xfrm>
+          <a:prstGeom prst="rect">
+            <a:avLst/>
+          </a:prstGeom>
+          <a:noFill/>
+        </p:spPr>
+        <p:txBody>
+          <a:bodyPr wrap="square" rtlCol="0">
+            <a:spAutoFit/>
+          </a:bodyPr>
+          <a:lstStyle/>
+          <a:p>
+            <a:r>
+              <a:rPr lang="en-US" sz="2400" b="1" dirty="0">
+                <a:highlight>
+                  <a:srgbClr val="99FFCC"/>
+                </a:highlight>
+              </a:rPr>
+              <a:t>PROFILE</a:t>
+            </a:r>
+          </a:p>
+        </p:txBody>
+      </p:sp>
+      <p:pic>
+        <p:nvPicPr>
+          <p:cNvPr id="1028" name="Picture 4" descr="Github Logo - Free social media icons">
+            <a:extLst>
+              <a:ext uri="{FF2B5EF4-FFF2-40B4-BE49-F238E27FC236}">
+                <a16:creationId xmlns:a16="http://schemas.microsoft.com/office/drawing/2014/main" id="{4A10B01C-0C59-9584-7CDF-29158031BE19}"/>
+              </a:ext>
+            </a:extLst>
+          </p:cNvPr>
+          <p:cNvPicPr>
+            <a:picLocks noChangeAspect="1" noChangeArrowheads="1"/>
+          </p:cNvPicPr>
+          <p:nvPr/>
+        </p:nvPicPr>
+        <p:blipFill>
+          <a:blip r:embed="rId4">
+            <a:extLst>
+              <a:ext uri="{28A0092B-C50C-407E-A947-70E740481C1C}">
+                <a14:useLocalDpi xmlns:a14="http://schemas.microsoft.com/office/drawing/2010/main" val="0"/>
+              </a:ext>
+            </a:extLst>
+          </a:blip>
+          <a:srcRect/>
+          <a:stretch>
+            <a:fillRect/>
+          </a:stretch>
+        </p:blipFill>
+        <p:spPr bwMode="auto">
+          <a:xfrm>
+            <a:off x="7287922" y="1542232"/>
+            <a:ext cx="307929" cy="307929"/>
+          </a:xfrm>
+          <a:prstGeom prst="rect">
+            <a:avLst/>
+          </a:prstGeom>
+          <a:noFill/>
+          <a:extLst>
+            <a:ext uri="{909E8E84-426E-40DD-AFC4-6F175D3DCCD1}">
+              <a14:hiddenFill xmlns:a14="http://schemas.microsoft.com/office/drawing/2010/main">
+                <a:solidFill>
+                  <a:srgbClr val="FFFFFF"/>
+                </a:solidFill>
+              </a14:hiddenFill>
+            </a:ext>
+          </a:extLst>
+        </p:spPr>
+      </p:pic>
+      <p:pic>
+        <p:nvPicPr>
+          <p:cNvPr id="1030" name="Picture 6" descr="Linkedin icon - Free download on Iconfinder">
+            <a:extLst>
+              <a:ext uri="{FF2B5EF4-FFF2-40B4-BE49-F238E27FC236}">
+                <a16:creationId xmlns:a16="http://schemas.microsoft.com/office/drawing/2014/main" id="{927D3790-EA1C-502D-3C03-C6A214FE838F}"/>
+              </a:ext>
+            </a:extLst>
+          </p:cNvPr>
+          <p:cNvPicPr>
+            <a:picLocks noChangeAspect="1" noChangeArrowheads="1"/>
+          </p:cNvPicPr>
+          <p:nvPr/>
+        </p:nvPicPr>
+        <p:blipFill>
+          <a:blip r:embed="rId5">
+            <a:extLst>
+              <a:ext uri="{28A0092B-C50C-407E-A947-70E740481C1C}">
+                <a14:useLocalDpi xmlns:a14="http://schemas.microsoft.com/office/drawing/2010/main" val="0"/>
+              </a:ext>
+            </a:extLst>
+          </a:blip>
+          <a:srcRect/>
+          <a:stretch>
+            <a:fillRect/>
+          </a:stretch>
+        </p:blipFill>
+        <p:spPr bwMode="auto">
+          <a:xfrm>
+            <a:off x="7287922" y="1140626"/>
+            <a:ext cx="337582" cy="337582"/>
+          </a:xfrm>
+          <a:prstGeom prst="rect">
+            <a:avLst/>
+          </a:prstGeom>
+          <a:noFill/>
+          <a:extLst>
+            <a:ext uri="{909E8E84-426E-40DD-AFC4-6F175D3DCCD1}">
+              <a14:hiddenFill xmlns:a14="http://schemas.microsoft.com/office/drawing/2010/main">
+                <a:solidFill>
+                  <a:srgbClr val="FFFFFF"/>
+                </a:solidFill>
+              </a14:hiddenFill>
+            </a:ext>
+          </a:extLst>
+        </p:spPr>
+      </p:pic>
+    </p:spTree>
+    <p:extLst>
+      <p:ext uri="{BB962C8B-B14F-4D97-AF65-F5344CB8AC3E}">
+        <p14:creationId xmlns:p14="http://schemas.microsoft.com/office/powerpoint/2010/main" val="16184609"/>
+      </p:ext>
+    </p:extLst>
+  </p:cSld>
+  <p:clrMapOvr>
+    <a:masterClrMapping/>
+  </p:clrMapOvr>
+</p:sld>
+</file>
+
+<file path=ppt/slides/slide3.xml><?xml version="1.0" encoding="utf-8"?>
 <p:sld xmlns:a="http://schemas.openxmlformats.org/drawingml/2006/main" xmlns:r="http://schemas.openxmlformats.org/officeDocument/2006/relationships" xmlns:p="http://schemas.openxmlformats.org/presentationml/2006/main">
   <p:cSld>
     <p:bg>
@@ -13010,7 +14345,7 @@
 </p:sld>
 </file>
 
-<file path=ppt/slides/slide3.xml><?xml version="1.0" encoding="utf-8"?>
+<file path=ppt/slides/slide4.xml><?xml version="1.0" encoding="utf-8"?>
 <p:sld xmlns:a="http://schemas.openxmlformats.org/drawingml/2006/main" xmlns:r="http://schemas.openxmlformats.org/officeDocument/2006/relationships" xmlns:p="http://schemas.openxmlformats.org/presentationml/2006/main">
   <p:cSld>
     <p:bg>
@@ -13529,7 +14864,7 @@
 </p:sld>
 </file>
 
-<file path=ppt/slides/slide4.xml><?xml version="1.0" encoding="utf-8"?>
+<file path=ppt/slides/slide5.xml><?xml version="1.0" encoding="utf-8"?>
 <p:sld xmlns:a="http://schemas.openxmlformats.org/drawingml/2006/main" xmlns:r="http://schemas.openxmlformats.org/officeDocument/2006/relationships" xmlns:p="http://schemas.openxmlformats.org/presentationml/2006/main">
   <p:cSld>
     <p:bg>
@@ -14630,7 +15965,7 @@
 </p:sld>
 </file>
 
-<file path=ppt/slides/slide5.xml><?xml version="1.0" encoding="utf-8"?>
+<file path=ppt/slides/slide6.xml><?xml version="1.0" encoding="utf-8"?>
 <p:sld xmlns:a="http://schemas.openxmlformats.org/drawingml/2006/main" xmlns:r="http://schemas.openxmlformats.org/officeDocument/2006/relationships" xmlns:p="http://schemas.openxmlformats.org/presentationml/2006/main">
   <p:cSld>
     <p:bg>
@@ -15043,7 +16378,7 @@
 </p:sld>
 </file>
 
-<file path=ppt/slides/slide6.xml><?xml version="1.0" encoding="utf-8"?>
+<file path=ppt/slides/slide7.xml><?xml version="1.0" encoding="utf-8"?>
 <p:sld xmlns:a="http://schemas.openxmlformats.org/drawingml/2006/main" xmlns:r="http://schemas.openxmlformats.org/officeDocument/2006/relationships" xmlns:p="http://schemas.openxmlformats.org/presentationml/2006/main">
   <p:cSld>
     <p:bg>
@@ -15689,7 +17024,7 @@
 </p:sld>
 </file>
 
-<file path=ppt/slides/slide7.xml><?xml version="1.0" encoding="utf-8"?>
+<file path=ppt/slides/slide8.xml><?xml version="1.0" encoding="utf-8"?>
 <p:sld xmlns:a="http://schemas.openxmlformats.org/drawingml/2006/main" xmlns:r="http://schemas.openxmlformats.org/officeDocument/2006/relationships" xmlns:p="http://schemas.openxmlformats.org/presentationml/2006/main">
   <p:cSld>
     <p:bg>
@@ -16300,7 +17635,7 @@
 </p:sld>
 </file>
 
-<file path=ppt/slides/slide8.xml><?xml version="1.0" encoding="utf-8"?>
+<file path=ppt/slides/slide9.xml><?xml version="1.0" encoding="utf-8"?>
 <p:sld xmlns:a="http://schemas.openxmlformats.org/drawingml/2006/main" xmlns:r="http://schemas.openxmlformats.org/officeDocument/2006/relationships" xmlns:p="http://schemas.openxmlformats.org/presentationml/2006/main">
   <p:cSld>
     <p:bg>
@@ -16998,486 +18333,6 @@
     <p:extLst>
       <p:ext uri="{BB962C8B-B14F-4D97-AF65-F5344CB8AC3E}">
         <p14:creationId xmlns:p14="http://schemas.microsoft.com/office/powerpoint/2010/main" val="2440959548"/>
-      </p:ext>
-    </p:extLst>
-  </p:cSld>
-  <p:clrMapOvr>
-    <a:masterClrMapping/>
-  </p:clrMapOvr>
-</p:sld>
-</file>
-
-<file path=ppt/slides/slide9.xml><?xml version="1.0" encoding="utf-8"?>
-<p:sld xmlns:a="http://schemas.openxmlformats.org/drawingml/2006/main" xmlns:r="http://schemas.openxmlformats.org/officeDocument/2006/relationships" xmlns:p="http://schemas.openxmlformats.org/presentationml/2006/main">
-  <p:cSld>
-    <p:bg>
-      <p:bgPr>
-        <a:solidFill>
-          <a:schemeClr val="accent4">
-            <a:lumMod val="40000"/>
-            <a:lumOff val="60000"/>
-          </a:schemeClr>
-        </a:solidFill>
-        <a:effectLst/>
-      </p:bgPr>
-    </p:bg>
-    <p:spTree>
-      <p:nvGrpSpPr>
-        <p:cNvPr id="1" name=""/>
-        <p:cNvGrpSpPr/>
-        <p:nvPr/>
-      </p:nvGrpSpPr>
-      <p:grpSpPr>
-        <a:xfrm>
-          <a:off x="0" y="0"/>
-          <a:ext cx="0" cy="0"/>
-          <a:chOff x="0" y="0"/>
-          <a:chExt cx="0" cy="0"/>
-        </a:xfrm>
-      </p:grpSpPr>
-      <p:sp useBgFill="1">
-        <p:nvSpPr>
-          <p:cNvPr id="28" name="Slide Background">
-            <a:extLst>
-              <a:ext uri="{FF2B5EF4-FFF2-40B4-BE49-F238E27FC236}">
-                <a16:creationId xmlns:a16="http://schemas.microsoft.com/office/drawing/2014/main" id="{924D84CD-5280-4B52-B96E-8EDAA2B20C51}"/>
-              </a:ext>
-              <a:ext uri="{C183D7F6-B498-43B3-948B-1728B52AA6E4}">
-                <adec:decorative xmlns:adec="http://schemas.microsoft.com/office/drawing/2017/decorative" val="1"/>
-              </a:ext>
-            </a:extLst>
-          </p:cNvPr>
-          <p:cNvSpPr>
-            <a:spLocks noGrp="1" noRot="1" noChangeAspect="1" noMove="1" noResize="1" noEditPoints="1" noAdjustHandles="1" noChangeArrowheads="1" noChangeShapeType="1" noTextEdit="1"/>
-          </p:cNvSpPr>
-          <p:nvPr>
-            <p:extLst>
-              <p:ext uri="{386F3935-93C4-4BCD-93E2-E3B085C9AB24}">
-                <p16:designElem xmlns:p16="http://schemas.microsoft.com/office/powerpoint/2015/main" val="1"/>
-              </p:ext>
-            </p:extLst>
-          </p:nvPr>
-        </p:nvSpPr>
-        <p:spPr>
-          <a:xfrm>
-            <a:off x="0" y="0"/>
-            <a:ext cx="12192000" cy="6858000"/>
-          </a:xfrm>
-          <a:prstGeom prst="rect">
-            <a:avLst/>
-          </a:prstGeom>
-          <a:ln>
-            <a:noFill/>
-          </a:ln>
-        </p:spPr>
-        <p:style>
-          <a:lnRef idx="2">
-            <a:schemeClr val="accent1">
-              <a:shade val="50000"/>
-            </a:schemeClr>
-          </a:lnRef>
-          <a:fillRef idx="1">
-            <a:schemeClr val="accent1"/>
-          </a:fillRef>
-          <a:effectRef idx="0">
-            <a:schemeClr val="accent1"/>
-          </a:effectRef>
-          <a:fontRef idx="minor">
-            <a:schemeClr val="lt1"/>
-          </a:fontRef>
-        </p:style>
-        <p:txBody>
-          <a:bodyPr rtlCol="0" anchor="ctr"/>
-          <a:lstStyle/>
-          <a:p>
-            <a:pPr algn="ctr"/>
-            <a:endParaRPr lang="en-US"/>
-          </a:p>
-        </p:txBody>
-      </p:sp>
-      <p:sp useBgFill="1">
-        <p:nvSpPr>
-          <p:cNvPr id="29" name="Rectangle 28">
-            <a:extLst>
-              <a:ext uri="{FF2B5EF4-FFF2-40B4-BE49-F238E27FC236}">
-                <a16:creationId xmlns:a16="http://schemas.microsoft.com/office/drawing/2014/main" id="{3E65D517-46E4-8037-A63D-629DE1253A89}"/>
-              </a:ext>
-              <a:ext uri="{C183D7F6-B498-43B3-948B-1728B52AA6E4}">
-                <adec:decorative xmlns:adec="http://schemas.microsoft.com/office/drawing/2017/decorative" val="1"/>
-              </a:ext>
-            </a:extLst>
-          </p:cNvPr>
-          <p:cNvSpPr>
-            <a:spLocks noGrp="1" noRot="1" noChangeAspect="1" noMove="1" noResize="1" noEditPoints="1" noAdjustHandles="1" noChangeArrowheads="1" noChangeShapeType="1" noTextEdit="1"/>
-          </p:cNvSpPr>
-          <p:nvPr>
-            <p:extLst>
-              <p:ext uri="{386F3935-93C4-4BCD-93E2-E3B085C9AB24}">
-                <p16:designElem xmlns:p16="http://schemas.microsoft.com/office/powerpoint/2015/main" val="1"/>
-              </p:ext>
-            </p:extLst>
-          </p:nvPr>
-        </p:nvSpPr>
-        <p:spPr>
-          <a:xfrm>
-            <a:off x="-2" y="0"/>
-            <a:ext cx="12192001" cy="1696413"/>
-          </a:xfrm>
-          <a:prstGeom prst="rect">
-            <a:avLst/>
-          </a:prstGeom>
-          <a:ln>
-            <a:noFill/>
-          </a:ln>
-          <a:effectLst>
-            <a:outerShdw blurRad="304800" dist="114300" dir="5460000" sx="92000" sy="92000" algn="t" rotWithShape="0">
-              <a:srgbClr val="000000">
-                <a:alpha val="14000"/>
-              </a:srgbClr>
-            </a:outerShdw>
-          </a:effectLst>
-        </p:spPr>
-        <p:style>
-          <a:lnRef idx="2">
-            <a:schemeClr val="accent1">
-              <a:shade val="50000"/>
-            </a:schemeClr>
-          </a:lnRef>
-          <a:fillRef idx="1">
-            <a:schemeClr val="accent1"/>
-          </a:fillRef>
-          <a:effectRef idx="0">
-            <a:schemeClr val="accent1"/>
-          </a:effectRef>
-          <a:fontRef idx="minor">
-            <a:schemeClr val="lt1"/>
-          </a:fontRef>
-        </p:style>
-        <p:txBody>
-          <a:bodyPr rtlCol="0" anchor="ctr"/>
-          <a:lstStyle/>
-          <a:p>
-            <a:pPr algn="ctr"/>
-            <a:endParaRPr lang="en-US"/>
-          </a:p>
-        </p:txBody>
-      </p:sp>
-      <p:sp>
-        <p:nvSpPr>
-          <p:cNvPr id="2" name="Title 1">
-            <a:extLst>
-              <a:ext uri="{FF2B5EF4-FFF2-40B4-BE49-F238E27FC236}">
-                <a16:creationId xmlns:a16="http://schemas.microsoft.com/office/drawing/2014/main" id="{1C6F9385-E2E5-BFAD-2482-A2A1E91D0371}"/>
-              </a:ext>
-            </a:extLst>
-          </p:cNvPr>
-          <p:cNvSpPr>
-            <a:spLocks noGrp="1"/>
-          </p:cNvSpPr>
-          <p:nvPr>
-            <p:ph type="title"/>
-          </p:nvPr>
-        </p:nvSpPr>
-        <p:spPr>
-          <a:xfrm>
-            <a:off x="758952" y="276198"/>
-            <a:ext cx="10477600" cy="1157242"/>
-          </a:xfrm>
-        </p:spPr>
-        <p:txBody>
-          <a:bodyPr>
-            <a:normAutofit/>
-          </a:bodyPr>
-          <a:lstStyle/>
-          <a:p>
-            <a:r>
-              <a:rPr lang="en-US" sz="4000"/>
-              <a:t>Chanel &amp; Customer Page Parts</a:t>
-            </a:r>
-          </a:p>
-        </p:txBody>
-      </p:sp>
-      <p:pic>
-        <p:nvPicPr>
-          <p:cNvPr id="19" name="Picture 18">
-            <a:extLst>
-              <a:ext uri="{FF2B5EF4-FFF2-40B4-BE49-F238E27FC236}">
-                <a16:creationId xmlns:a16="http://schemas.microsoft.com/office/drawing/2014/main" id="{DA4B7165-8913-D026-BDA8-ED949B2D62B4}"/>
-              </a:ext>
-            </a:extLst>
-          </p:cNvPr>
-          <p:cNvPicPr>
-            <a:picLocks noChangeAspect="1"/>
-          </p:cNvPicPr>
-          <p:nvPr/>
-        </p:nvPicPr>
-        <p:blipFill>
-          <a:blip r:embed="rId3"/>
-          <a:stretch>
-            <a:fillRect/>
-          </a:stretch>
-        </p:blipFill>
-        <p:spPr>
-          <a:xfrm>
-            <a:off x="424537" y="1778973"/>
-            <a:ext cx="6374469" cy="4703858"/>
-          </a:xfrm>
-          <a:prstGeom prst="rect">
-            <a:avLst/>
-          </a:prstGeom>
-        </p:spPr>
-      </p:pic>
-      <p:sp>
-        <p:nvSpPr>
-          <p:cNvPr id="5" name="TextBox 4">
-            <a:extLst>
-              <a:ext uri="{FF2B5EF4-FFF2-40B4-BE49-F238E27FC236}">
-                <a16:creationId xmlns:a16="http://schemas.microsoft.com/office/drawing/2014/main" id="{BFBD6289-B584-FD0C-1CD1-AD3FE19BB013}"/>
-              </a:ext>
-            </a:extLst>
-          </p:cNvPr>
-          <p:cNvSpPr txBox="1"/>
-          <p:nvPr/>
-        </p:nvSpPr>
-        <p:spPr>
-          <a:xfrm>
-            <a:off x="7703208" y="2491263"/>
-            <a:ext cx="3442731" cy="3693319"/>
-          </a:xfrm>
-          <a:prstGeom prst="rect">
-            <a:avLst/>
-          </a:prstGeom>
-          <a:noFill/>
-        </p:spPr>
-        <p:txBody>
-          <a:bodyPr wrap="square" rtlCol="0">
-            <a:spAutoFit/>
-          </a:bodyPr>
-          <a:lstStyle/>
-          <a:p>
-            <a:pPr marL="205740" indent="-205740" defTabSz="658368">
-              <a:spcAft>
-                <a:spcPts val="600"/>
-              </a:spcAft>
-              <a:buFont typeface="Arial" panose="020B0604020202020204" pitchFamily="34" charset="0"/>
-              <a:buChar char="•"/>
-            </a:pPr>
-            <a:r>
-              <a:rPr lang="en-US" sz="1600" kern="1200" dirty="0">
-                <a:solidFill>
-                  <a:schemeClr val="tx1"/>
-                </a:solidFill>
-                <a:latin typeface="+mn-lt"/>
-                <a:ea typeface="+mn-ea"/>
-                <a:cs typeface="+mn-cs"/>
-              </a:rPr>
-              <a:t>Rank customer base on total product topic from all unique customer orders, shows in count &amp; percentage.</a:t>
-            </a:r>
-          </a:p>
-          <a:p>
-            <a:pPr marL="205740" indent="-205740" defTabSz="658368">
-              <a:spcAft>
-                <a:spcPts val="600"/>
-              </a:spcAft>
-              <a:buFont typeface="Arial" panose="020B0604020202020204" pitchFamily="34" charset="0"/>
-              <a:buChar char="•"/>
-            </a:pPr>
-            <a:endParaRPr lang="en-US" sz="1600" kern="1200" dirty="0">
-              <a:solidFill>
-                <a:schemeClr val="tx1"/>
-              </a:solidFill>
-              <a:latin typeface="+mn-lt"/>
-              <a:ea typeface="+mn-ea"/>
-              <a:cs typeface="+mn-cs"/>
-            </a:endParaRPr>
-          </a:p>
-          <a:p>
-            <a:pPr marL="205740" indent="-205740" defTabSz="658368">
-              <a:spcAft>
-                <a:spcPts val="600"/>
-              </a:spcAft>
-              <a:buFont typeface="Arial" panose="020B0604020202020204" pitchFamily="34" charset="0"/>
-              <a:buChar char="•"/>
-            </a:pPr>
-            <a:r>
-              <a:rPr lang="en-US" sz="1600" kern="1200" dirty="0">
-                <a:solidFill>
-                  <a:schemeClr val="tx1"/>
-                </a:solidFill>
-                <a:latin typeface="+mn-lt"/>
-                <a:ea typeface="+mn-ea"/>
-                <a:cs typeface="+mn-cs"/>
-              </a:rPr>
-              <a:t>Rank a customer based on how many orders the customer has placed with the company. (How much they had repeat orders)</a:t>
-            </a:r>
-          </a:p>
-          <a:p>
-            <a:pPr marL="205740" indent="-205740" defTabSz="658368">
-              <a:spcAft>
-                <a:spcPts val="600"/>
-              </a:spcAft>
-              <a:buFont typeface="Arial" panose="020B0604020202020204" pitchFamily="34" charset="0"/>
-              <a:buChar char="•"/>
-            </a:pPr>
-            <a:endParaRPr lang="en-US" sz="1600" kern="1200" dirty="0">
-              <a:solidFill>
-                <a:schemeClr val="tx1"/>
-              </a:solidFill>
-              <a:latin typeface="+mn-lt"/>
-              <a:ea typeface="+mn-ea"/>
-              <a:cs typeface="+mn-cs"/>
-            </a:endParaRPr>
-          </a:p>
-          <a:p>
-            <a:pPr marL="205740" indent="-205740" defTabSz="658368">
-              <a:spcAft>
-                <a:spcPts val="600"/>
-              </a:spcAft>
-              <a:buFont typeface="Arial" panose="020B0604020202020204" pitchFamily="34" charset="0"/>
-              <a:buChar char="•"/>
-            </a:pPr>
-            <a:r>
-              <a:rPr lang="en-US" sz="1600" kern="1200" dirty="0">
-                <a:solidFill>
-                  <a:schemeClr val="tx1"/>
-                </a:solidFill>
-                <a:latin typeface="+mn-lt"/>
-                <a:ea typeface="+mn-ea"/>
-                <a:cs typeface="+mn-cs"/>
-              </a:rPr>
-              <a:t>Rank a customer based on the number of sessions performed out of all orders.</a:t>
-            </a:r>
-            <a:endParaRPr lang="en-US" sz="2400" dirty="0"/>
-          </a:p>
-        </p:txBody>
-      </p:sp>
-      <p:cxnSp>
-        <p:nvCxnSpPr>
-          <p:cNvPr id="10" name="Straight Arrow Connector 9">
-            <a:extLst>
-              <a:ext uri="{FF2B5EF4-FFF2-40B4-BE49-F238E27FC236}">
-                <a16:creationId xmlns:a16="http://schemas.microsoft.com/office/drawing/2014/main" id="{D2334163-EB19-C71E-3402-918BA39C2488}"/>
-              </a:ext>
-            </a:extLst>
-          </p:cNvPr>
-          <p:cNvCxnSpPr>
-            <a:cxnSpLocks/>
-          </p:cNvCxnSpPr>
-          <p:nvPr/>
-        </p:nvCxnSpPr>
-        <p:spPr>
-          <a:xfrm flipV="1">
-            <a:off x="6323424" y="2761122"/>
-            <a:ext cx="1379784" cy="296775"/>
-          </a:xfrm>
-          <a:prstGeom prst="straightConnector1">
-            <a:avLst/>
-          </a:prstGeom>
-          <a:ln>
-            <a:tailEnd type="triangle"/>
-          </a:ln>
-        </p:spPr>
-        <p:style>
-          <a:lnRef idx="1">
-            <a:schemeClr val="dk1"/>
-          </a:lnRef>
-          <a:fillRef idx="0">
-            <a:schemeClr val="dk1"/>
-          </a:fillRef>
-          <a:effectRef idx="0">
-            <a:schemeClr val="dk1"/>
-          </a:effectRef>
-          <a:fontRef idx="minor">
-            <a:schemeClr val="tx1"/>
-          </a:fontRef>
-        </p:style>
-      </p:cxnSp>
-      <p:cxnSp>
-        <p:nvCxnSpPr>
-          <p:cNvPr id="14" name="Straight Arrow Connector 13">
-            <a:extLst>
-              <a:ext uri="{FF2B5EF4-FFF2-40B4-BE49-F238E27FC236}">
-                <a16:creationId xmlns:a16="http://schemas.microsoft.com/office/drawing/2014/main" id="{24BA1692-E191-4E95-EE59-098411D71E34}"/>
-              </a:ext>
-            </a:extLst>
-          </p:cNvPr>
-          <p:cNvCxnSpPr>
-            <a:cxnSpLocks/>
-          </p:cNvCxnSpPr>
-          <p:nvPr/>
-        </p:nvCxnSpPr>
-        <p:spPr>
-          <a:xfrm flipV="1">
-            <a:off x="6323424" y="4040046"/>
-            <a:ext cx="1379784" cy="372492"/>
-          </a:xfrm>
-          <a:prstGeom prst="straightConnector1">
-            <a:avLst/>
-          </a:prstGeom>
-          <a:ln>
-            <a:tailEnd type="triangle"/>
-          </a:ln>
-        </p:spPr>
-        <p:style>
-          <a:lnRef idx="1">
-            <a:schemeClr val="dk1"/>
-          </a:lnRef>
-          <a:fillRef idx="0">
-            <a:schemeClr val="dk1"/>
-          </a:fillRef>
-          <a:effectRef idx="0">
-            <a:schemeClr val="dk1"/>
-          </a:effectRef>
-          <a:fontRef idx="minor">
-            <a:schemeClr val="tx1"/>
-          </a:fontRef>
-        </p:style>
-      </p:cxnSp>
-      <p:cxnSp>
-        <p:nvCxnSpPr>
-          <p:cNvPr id="17" name="Straight Arrow Connector 16">
-            <a:extLst>
-              <a:ext uri="{FF2B5EF4-FFF2-40B4-BE49-F238E27FC236}">
-                <a16:creationId xmlns:a16="http://schemas.microsoft.com/office/drawing/2014/main" id="{1C35D392-A225-9D8C-4AFE-924BB33D05FF}"/>
-              </a:ext>
-            </a:extLst>
-          </p:cNvPr>
-          <p:cNvCxnSpPr>
-            <a:cxnSpLocks/>
-          </p:cNvCxnSpPr>
-          <p:nvPr/>
-        </p:nvCxnSpPr>
-        <p:spPr>
-          <a:xfrm flipV="1">
-            <a:off x="6323424" y="5530645"/>
-            <a:ext cx="1379784" cy="368710"/>
-          </a:xfrm>
-          <a:prstGeom prst="straightConnector1">
-            <a:avLst/>
-          </a:prstGeom>
-          <a:ln>
-            <a:tailEnd type="triangle"/>
-          </a:ln>
-        </p:spPr>
-        <p:style>
-          <a:lnRef idx="1">
-            <a:schemeClr val="dk1"/>
-          </a:lnRef>
-          <a:fillRef idx="0">
-            <a:schemeClr val="dk1"/>
-          </a:fillRef>
-          <a:effectRef idx="0">
-            <a:schemeClr val="dk1"/>
-          </a:effectRef>
-          <a:fontRef idx="minor">
-            <a:schemeClr val="tx1"/>
-          </a:fontRef>
-        </p:style>
-      </p:cxnSp>
-    </p:spTree>
-    <p:extLst>
-      <p:ext uri="{BB962C8B-B14F-4D97-AF65-F5344CB8AC3E}">
-        <p14:creationId xmlns:p14="http://schemas.microsoft.com/office/powerpoint/2010/main" val="286555318"/>
       </p:ext>
     </p:extLst>
   </p:cSld>
@@ -17823,4 +18678,47 @@
     </a:folHlink>
   </a:clrScheme>
 </a:themeOverride>
+</file>
+
+<file path=ppt/theme/themeOverride2.xml><?xml version="1.0" encoding="utf-8"?>
+<a:themeOverride xmlns:a="http://schemas.openxmlformats.org/drawingml/2006/main">
+  <a:clrScheme name="Office">
+    <a:dk1>
+      <a:sysClr val="windowText" lastClr="000000"/>
+    </a:dk1>
+    <a:lt1>
+      <a:sysClr val="window" lastClr="FFFFFF"/>
+    </a:lt1>
+    <a:dk2>
+      <a:srgbClr val="44546A"/>
+    </a:dk2>
+    <a:lt2>
+      <a:srgbClr val="E7E6E6"/>
+    </a:lt2>
+    <a:accent1>
+      <a:srgbClr val="4472C4"/>
+    </a:accent1>
+    <a:accent2>
+      <a:srgbClr val="ED7D31"/>
+    </a:accent2>
+    <a:accent3>
+      <a:srgbClr val="A5A5A5"/>
+    </a:accent3>
+    <a:accent4>
+      <a:srgbClr val="FFC000"/>
+    </a:accent4>
+    <a:accent5>
+      <a:srgbClr val="5B9BD5"/>
+    </a:accent5>
+    <a:accent6>
+      <a:srgbClr val="70AD47"/>
+    </a:accent6>
+    <a:hlink>
+      <a:srgbClr val="0563C1"/>
+    </a:hlink>
+    <a:folHlink>
+      <a:srgbClr val="954F72"/>
+    </a:folHlink>
+  </a:clrScheme>
+</a:themeOverride>
 </file>